--- a/docs/Diagrams.pptx
+++ b/docs/Diagrams.pptx
@@ -6,6 +6,8 @@
   </p:sldMasterIdLst>
   <p:sldIdLst>
     <p:sldId id="256" r:id="rId2"/>
+    <p:sldId id="257" r:id="rId3"/>
+    <p:sldId id="258" r:id="rId4"/>
   </p:sldIdLst>
   <p:sldSz cx="12192000" cy="6858000"/>
   <p:notesSz cx="6858000" cy="9144000"/>
@@ -104,6 +106,11 @@
       </a:defRPr>
     </a:lvl9pPr>
   </p:defaultTextStyle>
+  <p:extLst>
+    <p:ext uri="{EFAFB233-063F-42B5-8137-9DF3F51BA10A}">
+      <p15:sldGuideLst xmlns:p15="http://schemas.microsoft.com/office/powerpoint/2012/main"/>
+    </p:ext>
+  </p:extLst>
 </p:presentation>
 </file>
 
@@ -254,7 +261,7 @@
           <a:p>
             <a:fld id="{E84694D5-1932-4D7D-9DDF-AE1A6F08C750}" type="datetimeFigureOut">
               <a:rPr lang="en-US" smtClean="0"/>
-              <a:t>7/6/2021</a:t>
+              <a:t>7/12/2021</a:t>
             </a:fld>
             <a:endParaRPr lang="en-US"/>
           </a:p>
@@ -452,7 +459,7 @@
           <a:p>
             <a:fld id="{E84694D5-1932-4D7D-9DDF-AE1A6F08C750}" type="datetimeFigureOut">
               <a:rPr lang="en-US" smtClean="0"/>
-              <a:t>7/6/2021</a:t>
+              <a:t>7/12/2021</a:t>
             </a:fld>
             <a:endParaRPr lang="en-US"/>
           </a:p>
@@ -660,7 +667,7 @@
           <a:p>
             <a:fld id="{E84694D5-1932-4D7D-9DDF-AE1A6F08C750}" type="datetimeFigureOut">
               <a:rPr lang="en-US" smtClean="0"/>
-              <a:t>7/6/2021</a:t>
+              <a:t>7/12/2021</a:t>
             </a:fld>
             <a:endParaRPr lang="en-US"/>
           </a:p>
@@ -858,7 +865,7 @@
           <a:p>
             <a:fld id="{E84694D5-1932-4D7D-9DDF-AE1A6F08C750}" type="datetimeFigureOut">
               <a:rPr lang="en-US" smtClean="0"/>
-              <a:t>7/6/2021</a:t>
+              <a:t>7/12/2021</a:t>
             </a:fld>
             <a:endParaRPr lang="en-US"/>
           </a:p>
@@ -1133,7 +1140,7 @@
           <a:p>
             <a:fld id="{E84694D5-1932-4D7D-9DDF-AE1A6F08C750}" type="datetimeFigureOut">
               <a:rPr lang="en-US" smtClean="0"/>
-              <a:t>7/6/2021</a:t>
+              <a:t>7/12/2021</a:t>
             </a:fld>
             <a:endParaRPr lang="en-US"/>
           </a:p>
@@ -1398,7 +1405,7 @@
           <a:p>
             <a:fld id="{E84694D5-1932-4D7D-9DDF-AE1A6F08C750}" type="datetimeFigureOut">
               <a:rPr lang="en-US" smtClean="0"/>
-              <a:t>7/6/2021</a:t>
+              <a:t>7/12/2021</a:t>
             </a:fld>
             <a:endParaRPr lang="en-US"/>
           </a:p>
@@ -1810,7 +1817,7 @@
           <a:p>
             <a:fld id="{E84694D5-1932-4D7D-9DDF-AE1A6F08C750}" type="datetimeFigureOut">
               <a:rPr lang="en-US" smtClean="0"/>
-              <a:t>7/6/2021</a:t>
+              <a:t>7/12/2021</a:t>
             </a:fld>
             <a:endParaRPr lang="en-US"/>
           </a:p>
@@ -1951,7 +1958,7 @@
           <a:p>
             <a:fld id="{E84694D5-1932-4D7D-9DDF-AE1A6F08C750}" type="datetimeFigureOut">
               <a:rPr lang="en-US" smtClean="0"/>
-              <a:t>7/6/2021</a:t>
+              <a:t>7/12/2021</a:t>
             </a:fld>
             <a:endParaRPr lang="en-US"/>
           </a:p>
@@ -2064,7 +2071,7 @@
           <a:p>
             <a:fld id="{E84694D5-1932-4D7D-9DDF-AE1A6F08C750}" type="datetimeFigureOut">
               <a:rPr lang="en-US" smtClean="0"/>
-              <a:t>7/6/2021</a:t>
+              <a:t>7/12/2021</a:t>
             </a:fld>
             <a:endParaRPr lang="en-US"/>
           </a:p>
@@ -2375,7 +2382,7 @@
           <a:p>
             <a:fld id="{E84694D5-1932-4D7D-9DDF-AE1A6F08C750}" type="datetimeFigureOut">
               <a:rPr lang="en-US" smtClean="0"/>
-              <a:t>7/6/2021</a:t>
+              <a:t>7/12/2021</a:t>
             </a:fld>
             <a:endParaRPr lang="en-US"/>
           </a:p>
@@ -2663,7 +2670,7 @@
           <a:p>
             <a:fld id="{E84694D5-1932-4D7D-9DDF-AE1A6F08C750}" type="datetimeFigureOut">
               <a:rPr lang="en-US" smtClean="0"/>
-              <a:t>7/6/2021</a:t>
+              <a:t>7/12/2021</a:t>
             </a:fld>
             <a:endParaRPr lang="en-US"/>
           </a:p>
@@ -2904,7 +2911,7 @@
           <a:p>
             <a:fld id="{E84694D5-1932-4D7D-9DDF-AE1A6F08C750}" type="datetimeFigureOut">
               <a:rPr lang="en-US" smtClean="0"/>
-              <a:t>7/6/2021</a:t>
+              <a:t>7/12/2021</a:t>
             </a:fld>
             <a:endParaRPr lang="en-US"/>
           </a:p>
@@ -3335,7 +3342,7 @@
         </p:nvSpPr>
         <p:spPr>
           <a:xfrm>
-            <a:off x="1113572" y="274973"/>
+            <a:off x="770732" y="379284"/>
             <a:ext cx="2029449" cy="1073020"/>
           </a:xfrm>
           <a:prstGeom prst="rect">
@@ -3470,7 +3477,7 @@
         </p:nvSpPr>
         <p:spPr>
           <a:xfrm>
-            <a:off x="6661326" y="2092801"/>
+            <a:off x="5711652" y="2619397"/>
             <a:ext cx="2029449" cy="1073020"/>
           </a:xfrm>
           <a:prstGeom prst="rect">
@@ -3499,10 +3506,9 @@
           <a:p>
             <a:pPr algn="ctr"/>
             <a:r>
-              <a:rPr lang="en-US" dirty="0" err="1"/>
-              <a:t>VendorReturns</a:t>
-            </a:r>
-            <a:endParaRPr lang="en-US" dirty="0"/>
+              <a:rPr lang="en-US" dirty="0"/>
+              <a:t>Vendor Engagement</a:t>
+            </a:r>
           </a:p>
         </p:txBody>
       </p:sp>
@@ -3569,7 +3575,7 @@
         </p:nvSpPr>
         <p:spPr>
           <a:xfrm>
-            <a:off x="6658676" y="3662327"/>
+            <a:off x="5803126" y="3950838"/>
             <a:ext cx="2029449" cy="1073020"/>
           </a:xfrm>
           <a:prstGeom prst="rect">
@@ -3672,8 +3678,8 @@
         </p:nvCxnSpPr>
         <p:spPr>
           <a:xfrm>
-            <a:off x="2128297" y="1347993"/>
-            <a:ext cx="2652" cy="856127"/>
+            <a:off x="1785457" y="1452304"/>
+            <a:ext cx="345492" cy="751816"/>
           </a:xfrm>
           <a:prstGeom prst="straightConnector1">
             <a:avLst/>
@@ -3756,9 +3762,9 @@
           <p:nvPr/>
         </p:nvCxnSpPr>
         <p:spPr>
-          <a:xfrm flipV="1">
-            <a:off x="3323644" y="2629311"/>
-            <a:ext cx="3337682" cy="111319"/>
+          <a:xfrm>
+            <a:off x="3323644" y="2740630"/>
+            <a:ext cx="2388008" cy="415277"/>
           </a:xfrm>
           <a:prstGeom prst="straightConnector1">
             <a:avLst/>
@@ -3799,8 +3805,8 @@
         </p:nvCxnSpPr>
         <p:spPr>
           <a:xfrm flipV="1">
-            <a:off x="3143020" y="4198837"/>
-            <a:ext cx="3515656" cy="979499"/>
+            <a:off x="3143020" y="4487348"/>
+            <a:ext cx="2660106" cy="690988"/>
           </a:xfrm>
           <a:prstGeom prst="straightConnector1">
             <a:avLst/>
@@ -3951,7 +3957,7 @@
         </p:nvSpPr>
         <p:spPr>
           <a:xfrm>
-            <a:off x="3946499" y="2015315"/>
+            <a:off x="3644348" y="2056334"/>
             <a:ext cx="2284672" cy="646331"/>
           </a:xfrm>
           <a:prstGeom prst="rect">
@@ -4079,8 +4085,8 @@
         </p:nvCxnSpPr>
         <p:spPr>
           <a:xfrm>
-            <a:off x="8690775" y="2629311"/>
-            <a:ext cx="1725044" cy="1033893"/>
+            <a:off x="7741101" y="3155907"/>
+            <a:ext cx="2674718" cy="507297"/>
           </a:xfrm>
           <a:prstGeom prst="straightConnector1">
             <a:avLst/>
@@ -4121,9 +4127,9 @@
           <p:nvPr/>
         </p:nvCxnSpPr>
         <p:spPr>
-          <a:xfrm>
-            <a:off x="8688125" y="4198837"/>
-            <a:ext cx="712969" cy="877"/>
+          <a:xfrm flipV="1">
+            <a:off x="7832575" y="4199714"/>
+            <a:ext cx="1568519" cy="287634"/>
           </a:xfrm>
           <a:prstGeom prst="straightConnector1">
             <a:avLst/>
@@ -4196,7 +4202,7 @@
         </p:nvSpPr>
         <p:spPr>
           <a:xfrm>
-            <a:off x="7128345" y="5493693"/>
+            <a:off x="9401094" y="5523545"/>
             <a:ext cx="2029449" cy="1073020"/>
           </a:xfrm>
           <a:prstGeom prst="rect">
@@ -4254,8 +4260,183 @@
         </p:nvCxnSpPr>
         <p:spPr>
           <a:xfrm flipV="1">
-            <a:off x="5975948" y="6030203"/>
-            <a:ext cx="1152397" cy="115255"/>
+            <a:off x="5975948" y="6060055"/>
+            <a:ext cx="3425146" cy="85403"/>
+          </a:xfrm>
+          <a:prstGeom prst="straightConnector1">
+            <a:avLst/>
+          </a:prstGeom>
+          <a:ln>
+            <a:tailEnd type="triangle"/>
+          </a:ln>
+        </p:spPr>
+        <p:style>
+          <a:lnRef idx="1">
+            <a:schemeClr val="accent1"/>
+          </a:lnRef>
+          <a:fillRef idx="0">
+            <a:schemeClr val="accent1"/>
+          </a:fillRef>
+          <a:effectRef idx="0">
+            <a:schemeClr val="accent1"/>
+          </a:effectRef>
+          <a:fontRef idx="minor">
+            <a:schemeClr val="tx1"/>
+          </a:fontRef>
+        </p:style>
+      </p:cxnSp>
+      <p:sp>
+        <p:nvSpPr>
+          <p:cNvPr id="25" name="Rectangle 24">
+            <a:extLst>
+              <a:ext uri="{FF2B5EF4-FFF2-40B4-BE49-F238E27FC236}">
+                <a16:creationId xmlns:a16="http://schemas.microsoft.com/office/drawing/2014/main" id="{DC64A3B9-DB6B-4F29-8946-A32EDCB78CE8}"/>
+              </a:ext>
+            </a:extLst>
+          </p:cNvPr>
+          <p:cNvSpPr/>
+          <p:nvPr/>
+        </p:nvSpPr>
+        <p:spPr>
+          <a:xfrm>
+            <a:off x="8781212" y="533263"/>
+            <a:ext cx="2029449" cy="1073020"/>
+          </a:xfrm>
+          <a:prstGeom prst="rect">
+            <a:avLst/>
+          </a:prstGeom>
+          <a:solidFill>
+            <a:schemeClr val="bg2">
+              <a:lumMod val="50000"/>
+            </a:schemeClr>
+          </a:solidFill>
+        </p:spPr>
+        <p:style>
+          <a:lnRef idx="2">
+            <a:schemeClr val="accent1">
+              <a:shade val="50000"/>
+            </a:schemeClr>
+          </a:lnRef>
+          <a:fillRef idx="1">
+            <a:schemeClr val="accent1"/>
+          </a:fillRef>
+          <a:effectRef idx="0">
+            <a:schemeClr val="accent1"/>
+          </a:effectRef>
+          <a:fontRef idx="minor">
+            <a:schemeClr val="lt1"/>
+          </a:fontRef>
+        </p:style>
+        <p:txBody>
+          <a:bodyPr rtlCol="0" anchor="ctr"/>
+          <a:lstStyle/>
+          <a:p>
+            <a:pPr algn="ctr"/>
+            <a:r>
+              <a:rPr lang="en-US" dirty="0"/>
+              <a:t>Operations (Profit / Loss)</a:t>
+            </a:r>
+          </a:p>
+        </p:txBody>
+      </p:sp>
+      <p:cxnSp>
+        <p:nvCxnSpPr>
+          <p:cNvPr id="33" name="Straight Arrow Connector 32">
+            <a:extLst>
+              <a:ext uri="{FF2B5EF4-FFF2-40B4-BE49-F238E27FC236}">
+                <a16:creationId xmlns:a16="http://schemas.microsoft.com/office/drawing/2014/main" id="{F86A2B09-4AC2-4DC4-843C-001A99C35797}"/>
+              </a:ext>
+            </a:extLst>
+          </p:cNvPr>
+          <p:cNvCxnSpPr>
+            <a:cxnSpLocks/>
+            <a:stCxn id="25" idx="1"/>
+            <a:endCxn id="4" idx="3"/>
+          </p:cNvCxnSpPr>
+          <p:nvPr/>
+        </p:nvCxnSpPr>
+        <p:spPr>
+          <a:xfrm flipH="1" flipV="1">
+            <a:off x="2800181" y="915794"/>
+            <a:ext cx="5981031" cy="153979"/>
+          </a:xfrm>
+          <a:prstGeom prst="straightConnector1">
+            <a:avLst/>
+          </a:prstGeom>
+          <a:ln>
+            <a:tailEnd type="triangle"/>
+          </a:ln>
+        </p:spPr>
+        <p:style>
+          <a:lnRef idx="1">
+            <a:schemeClr val="accent1"/>
+          </a:lnRef>
+          <a:fillRef idx="0">
+            <a:schemeClr val="accent1"/>
+          </a:fillRef>
+          <a:effectRef idx="0">
+            <a:schemeClr val="accent1"/>
+          </a:effectRef>
+          <a:fontRef idx="minor">
+            <a:schemeClr val="tx1"/>
+          </a:fontRef>
+        </p:style>
+      </p:cxnSp>
+      <p:sp>
+        <p:nvSpPr>
+          <p:cNvPr id="36" name="TextBox 35">
+            <a:extLst>
+              <a:ext uri="{FF2B5EF4-FFF2-40B4-BE49-F238E27FC236}">
+                <a16:creationId xmlns:a16="http://schemas.microsoft.com/office/drawing/2014/main" id="{BF82E588-A5F5-4930-94DD-CFF765348642}"/>
+              </a:ext>
+            </a:extLst>
+          </p:cNvPr>
+          <p:cNvSpPr txBox="1"/>
+          <p:nvPr/>
+        </p:nvSpPr>
+        <p:spPr>
+          <a:xfrm>
+            <a:off x="3410789" y="639161"/>
+            <a:ext cx="2284672" cy="646331"/>
+          </a:xfrm>
+          <a:prstGeom prst="rect">
+            <a:avLst/>
+          </a:prstGeom>
+          <a:noFill/>
+        </p:spPr>
+        <p:txBody>
+          <a:bodyPr wrap="square" rtlCol="0">
+            <a:spAutoFit/>
+          </a:bodyPr>
+          <a:lstStyle/>
+          <a:p>
+            <a:r>
+              <a:rPr lang="en-US" dirty="0"/>
+              <a:t>Decides what the market needs are</a:t>
+            </a:r>
+          </a:p>
+        </p:txBody>
+      </p:sp>
+      <p:cxnSp>
+        <p:nvCxnSpPr>
+          <p:cNvPr id="37" name="Straight Arrow Connector 36">
+            <a:extLst>
+              <a:ext uri="{FF2B5EF4-FFF2-40B4-BE49-F238E27FC236}">
+                <a16:creationId xmlns:a16="http://schemas.microsoft.com/office/drawing/2014/main" id="{B187F4EB-48C0-42ED-885F-3560C4293631}"/>
+              </a:ext>
+            </a:extLst>
+          </p:cNvPr>
+          <p:cNvCxnSpPr>
+            <a:cxnSpLocks/>
+            <a:stCxn id="25" idx="1"/>
+            <a:endCxn id="7" idx="3"/>
+          </p:cNvCxnSpPr>
+          <p:nvPr/>
+        </p:nvCxnSpPr>
+        <p:spPr>
+          <a:xfrm flipH="1">
+            <a:off x="3323644" y="1069773"/>
+            <a:ext cx="5457568" cy="1670857"/>
           </a:xfrm>
           <a:prstGeom prst="straightConnector1">
             <a:avLst/>
@@ -4283,6 +4464,459 @@
     <p:extLst>
       <p:ext uri="{BB962C8B-B14F-4D97-AF65-F5344CB8AC3E}">
         <p14:creationId xmlns:p14="http://schemas.microsoft.com/office/powerpoint/2010/main" val="2555657091"/>
+      </p:ext>
+    </p:extLst>
+  </p:cSld>
+  <p:clrMapOvr>
+    <a:masterClrMapping/>
+  </p:clrMapOvr>
+</p:sld>
+</file>
+
+<file path=ppt/slides/slide2.xml><?xml version="1.0" encoding="utf-8"?>
+<p:sld xmlns:a="http://schemas.openxmlformats.org/drawingml/2006/main" xmlns:r="http://schemas.openxmlformats.org/officeDocument/2006/relationships" xmlns:p="http://schemas.openxmlformats.org/presentationml/2006/main">
+  <p:cSld>
+    <p:spTree>
+      <p:nvGrpSpPr>
+        <p:cNvPr id="1" name=""/>
+        <p:cNvGrpSpPr/>
+        <p:nvPr/>
+      </p:nvGrpSpPr>
+      <p:grpSpPr>
+        <a:xfrm>
+          <a:off x="0" y="0"/>
+          <a:ext cx="0" cy="0"/>
+          <a:chOff x="0" y="0"/>
+          <a:chExt cx="0" cy="0"/>
+        </a:xfrm>
+      </p:grpSpPr>
+      <p:sp>
+        <p:nvSpPr>
+          <p:cNvPr id="7" name="Rectangle 6">
+            <a:extLst>
+              <a:ext uri="{FF2B5EF4-FFF2-40B4-BE49-F238E27FC236}">
+                <a16:creationId xmlns:a16="http://schemas.microsoft.com/office/drawing/2014/main" id="{D7E1A5C8-06CC-436A-B809-05E33E05BBC8}"/>
+              </a:ext>
+            </a:extLst>
+          </p:cNvPr>
+          <p:cNvSpPr/>
+          <p:nvPr/>
+        </p:nvSpPr>
+        <p:spPr>
+          <a:xfrm>
+            <a:off x="2072639" y="1269598"/>
+            <a:ext cx="2385391" cy="4691270"/>
+          </a:xfrm>
+          <a:prstGeom prst="rect">
+            <a:avLst/>
+          </a:prstGeom>
+        </p:spPr>
+        <p:style>
+          <a:lnRef idx="2">
+            <a:schemeClr val="accent1">
+              <a:shade val="50000"/>
+            </a:schemeClr>
+          </a:lnRef>
+          <a:fillRef idx="1">
+            <a:schemeClr val="accent1"/>
+          </a:fillRef>
+          <a:effectRef idx="0">
+            <a:schemeClr val="accent1"/>
+          </a:effectRef>
+          <a:fontRef idx="minor">
+            <a:schemeClr val="lt1"/>
+          </a:fontRef>
+        </p:style>
+        <p:txBody>
+          <a:bodyPr rtlCol="0" anchor="ctr"/>
+          <a:lstStyle/>
+          <a:p>
+            <a:pPr algn="ctr"/>
+            <a:r>
+              <a:rPr lang="en-US" dirty="0" err="1"/>
+              <a:t>ComputerFulfillment</a:t>
+            </a:r>
+            <a:endParaRPr lang="en-US" dirty="0"/>
+          </a:p>
+        </p:txBody>
+      </p:sp>
+      <p:sp>
+        <p:nvSpPr>
+          <p:cNvPr id="2" name="Arrow: Right 1">
+            <a:extLst>
+              <a:ext uri="{FF2B5EF4-FFF2-40B4-BE49-F238E27FC236}">
+                <a16:creationId xmlns:a16="http://schemas.microsoft.com/office/drawing/2014/main" id="{46FEEEEE-2EA5-4B79-9BEE-2B1F7E98B46E}"/>
+              </a:ext>
+            </a:extLst>
+          </p:cNvPr>
+          <p:cNvSpPr/>
+          <p:nvPr/>
+        </p:nvSpPr>
+        <p:spPr>
+          <a:xfrm flipH="1">
+            <a:off x="4728377" y="1502796"/>
+            <a:ext cx="4023360" cy="882595"/>
+          </a:xfrm>
+          <a:prstGeom prst="rightArrow">
+            <a:avLst/>
+          </a:prstGeom>
+        </p:spPr>
+        <p:style>
+          <a:lnRef idx="2">
+            <a:schemeClr val="accent1">
+              <a:shade val="50000"/>
+            </a:schemeClr>
+          </a:lnRef>
+          <a:fillRef idx="1">
+            <a:schemeClr val="accent1"/>
+          </a:fillRef>
+          <a:effectRef idx="0">
+            <a:schemeClr val="accent1"/>
+          </a:effectRef>
+          <a:fontRef idx="minor">
+            <a:schemeClr val="lt1"/>
+          </a:fontRef>
+        </p:style>
+        <p:txBody>
+          <a:bodyPr rtlCol="0" anchor="ctr"/>
+          <a:lstStyle/>
+          <a:p>
+            <a:pPr algn="ctr"/>
+            <a:r>
+              <a:rPr lang="en-US" dirty="0"/>
+              <a:t>Build Computer Batch</a:t>
+            </a:r>
+          </a:p>
+        </p:txBody>
+      </p:sp>
+      <p:sp>
+        <p:nvSpPr>
+          <p:cNvPr id="25" name="Arrow: Right 24">
+            <a:extLst>
+              <a:ext uri="{FF2B5EF4-FFF2-40B4-BE49-F238E27FC236}">
+                <a16:creationId xmlns:a16="http://schemas.microsoft.com/office/drawing/2014/main" id="{7B6E3D06-0F10-431C-B99B-F0A405F65709}"/>
+              </a:ext>
+            </a:extLst>
+          </p:cNvPr>
+          <p:cNvSpPr/>
+          <p:nvPr/>
+        </p:nvSpPr>
+        <p:spPr>
+          <a:xfrm>
+            <a:off x="4943062" y="2907569"/>
+            <a:ext cx="4023359" cy="882595"/>
+          </a:xfrm>
+          <a:prstGeom prst="rightArrow">
+            <a:avLst/>
+          </a:prstGeom>
+        </p:spPr>
+        <p:style>
+          <a:lnRef idx="2">
+            <a:schemeClr val="accent1">
+              <a:shade val="50000"/>
+            </a:schemeClr>
+          </a:lnRef>
+          <a:fillRef idx="1">
+            <a:schemeClr val="accent1"/>
+          </a:fillRef>
+          <a:effectRef idx="0">
+            <a:schemeClr val="accent1"/>
+          </a:effectRef>
+          <a:fontRef idx="minor">
+            <a:schemeClr val="lt1"/>
+          </a:fontRef>
+        </p:style>
+        <p:txBody>
+          <a:bodyPr rtlCol="0" anchor="ctr"/>
+          <a:lstStyle/>
+          <a:p>
+            <a:pPr algn="ctr"/>
+            <a:r>
+              <a:rPr lang="en-US" dirty="0"/>
+              <a:t>Computer Diagnostics Results</a:t>
+            </a:r>
+          </a:p>
+        </p:txBody>
+      </p:sp>
+    </p:spTree>
+    <p:extLst>
+      <p:ext uri="{BB962C8B-B14F-4D97-AF65-F5344CB8AC3E}">
+        <p14:creationId xmlns:p14="http://schemas.microsoft.com/office/powerpoint/2010/main" val="2432409202"/>
+      </p:ext>
+    </p:extLst>
+  </p:cSld>
+  <p:clrMapOvr>
+    <a:masterClrMapping/>
+  </p:clrMapOvr>
+</p:sld>
+</file>
+
+<file path=ppt/slides/slide3.xml><?xml version="1.0" encoding="utf-8"?>
+<p:sld xmlns:a="http://schemas.openxmlformats.org/drawingml/2006/main" xmlns:r="http://schemas.openxmlformats.org/officeDocument/2006/relationships" xmlns:p="http://schemas.openxmlformats.org/presentationml/2006/main">
+  <p:cSld>
+    <p:spTree>
+      <p:nvGrpSpPr>
+        <p:cNvPr id="1" name=""/>
+        <p:cNvGrpSpPr/>
+        <p:nvPr/>
+      </p:nvGrpSpPr>
+      <p:grpSpPr>
+        <a:xfrm>
+          <a:off x="0" y="0"/>
+          <a:ext cx="0" cy="0"/>
+          <a:chOff x="0" y="0"/>
+          <a:chExt cx="0" cy="0"/>
+        </a:xfrm>
+      </p:grpSpPr>
+      <p:sp>
+        <p:nvSpPr>
+          <p:cNvPr id="7" name="Rectangle 6">
+            <a:extLst>
+              <a:ext uri="{FF2B5EF4-FFF2-40B4-BE49-F238E27FC236}">
+                <a16:creationId xmlns:a16="http://schemas.microsoft.com/office/drawing/2014/main" id="{D7E1A5C8-06CC-436A-B809-05E33E05BBC8}"/>
+              </a:ext>
+            </a:extLst>
+          </p:cNvPr>
+          <p:cNvSpPr/>
+          <p:nvPr/>
+        </p:nvSpPr>
+        <p:spPr>
+          <a:xfrm>
+            <a:off x="2072639" y="1269598"/>
+            <a:ext cx="2385391" cy="4691270"/>
+          </a:xfrm>
+          <a:prstGeom prst="rect">
+            <a:avLst/>
+          </a:prstGeom>
+        </p:spPr>
+        <p:style>
+          <a:lnRef idx="2">
+            <a:schemeClr val="accent1">
+              <a:shade val="50000"/>
+            </a:schemeClr>
+          </a:lnRef>
+          <a:fillRef idx="1">
+            <a:schemeClr val="accent1"/>
+          </a:fillRef>
+          <a:effectRef idx="0">
+            <a:schemeClr val="accent1"/>
+          </a:effectRef>
+          <a:fontRef idx="minor">
+            <a:schemeClr val="lt1"/>
+          </a:fontRef>
+        </p:style>
+        <p:txBody>
+          <a:bodyPr rtlCol="0" anchor="ctr"/>
+          <a:lstStyle/>
+          <a:p>
+            <a:pPr algn="ctr"/>
+            <a:r>
+              <a:rPr lang="en-US" dirty="0"/>
+              <a:t>Vendor Engagement</a:t>
+            </a:r>
+          </a:p>
+        </p:txBody>
+      </p:sp>
+      <p:sp>
+        <p:nvSpPr>
+          <p:cNvPr id="26" name="Arrow: Right 25">
+            <a:extLst>
+              <a:ext uri="{FF2B5EF4-FFF2-40B4-BE49-F238E27FC236}">
+                <a16:creationId xmlns:a16="http://schemas.microsoft.com/office/drawing/2014/main" id="{488C54AE-30C1-4AA8-95DE-D39A59B9B6E2}"/>
+              </a:ext>
+            </a:extLst>
+          </p:cNvPr>
+          <p:cNvSpPr/>
+          <p:nvPr/>
+        </p:nvSpPr>
+        <p:spPr>
+          <a:xfrm flipH="1">
+            <a:off x="4778734" y="2546405"/>
+            <a:ext cx="3718563" cy="882595"/>
+          </a:xfrm>
+          <a:prstGeom prst="rightArrow">
+            <a:avLst/>
+          </a:prstGeom>
+        </p:spPr>
+        <p:style>
+          <a:lnRef idx="2">
+            <a:schemeClr val="accent1">
+              <a:shade val="50000"/>
+            </a:schemeClr>
+          </a:lnRef>
+          <a:fillRef idx="1">
+            <a:schemeClr val="accent1"/>
+          </a:fillRef>
+          <a:effectRef idx="0">
+            <a:schemeClr val="accent1"/>
+          </a:effectRef>
+          <a:fontRef idx="minor">
+            <a:schemeClr val="lt1"/>
+          </a:fontRef>
+        </p:style>
+        <p:txBody>
+          <a:bodyPr rtlCol="0" anchor="ctr"/>
+          <a:lstStyle/>
+          <a:p>
+            <a:pPr algn="ctr"/>
+            <a:r>
+              <a:rPr lang="en-US" dirty="0"/>
+              <a:t>Order Parts</a:t>
+            </a:r>
+          </a:p>
+        </p:txBody>
+      </p:sp>
+      <p:sp>
+        <p:nvSpPr>
+          <p:cNvPr id="27" name="Arrow: Right 26">
+            <a:extLst>
+              <a:ext uri="{FF2B5EF4-FFF2-40B4-BE49-F238E27FC236}">
+                <a16:creationId xmlns:a16="http://schemas.microsoft.com/office/drawing/2014/main" id="{E49E330E-868B-40D5-BCF0-3F03AD37E701}"/>
+              </a:ext>
+            </a:extLst>
+          </p:cNvPr>
+          <p:cNvSpPr/>
+          <p:nvPr/>
+        </p:nvSpPr>
+        <p:spPr>
+          <a:xfrm>
+            <a:off x="4778734" y="1269598"/>
+            <a:ext cx="4203591" cy="882595"/>
+          </a:xfrm>
+          <a:prstGeom prst="rightArrow">
+            <a:avLst/>
+          </a:prstGeom>
+        </p:spPr>
+        <p:style>
+          <a:lnRef idx="2">
+            <a:schemeClr val="accent1">
+              <a:shade val="50000"/>
+            </a:schemeClr>
+          </a:lnRef>
+          <a:fillRef idx="1">
+            <a:schemeClr val="accent1"/>
+          </a:fillRef>
+          <a:effectRef idx="0">
+            <a:schemeClr val="accent1"/>
+          </a:effectRef>
+          <a:fontRef idx="minor">
+            <a:schemeClr val="lt1"/>
+          </a:fontRef>
+        </p:style>
+        <p:txBody>
+          <a:bodyPr rtlCol="0" anchor="ctr"/>
+          <a:lstStyle/>
+          <a:p>
+            <a:pPr algn="ctr"/>
+            <a:r>
+              <a:rPr lang="en-US" dirty="0"/>
+              <a:t>Part List</a:t>
+            </a:r>
+          </a:p>
+        </p:txBody>
+      </p:sp>
+      <p:sp>
+        <p:nvSpPr>
+          <p:cNvPr id="8" name="Arrow: Right 7">
+            <a:extLst>
+              <a:ext uri="{FF2B5EF4-FFF2-40B4-BE49-F238E27FC236}">
+                <a16:creationId xmlns:a16="http://schemas.microsoft.com/office/drawing/2014/main" id="{765C44D1-7A12-4CE8-8157-58AD0E1FBEAA}"/>
+              </a:ext>
+            </a:extLst>
+          </p:cNvPr>
+          <p:cNvSpPr/>
+          <p:nvPr/>
+        </p:nvSpPr>
+        <p:spPr>
+          <a:xfrm flipH="1">
+            <a:off x="4778733" y="3615233"/>
+            <a:ext cx="3718563" cy="882595"/>
+          </a:xfrm>
+          <a:prstGeom prst="rightArrow">
+            <a:avLst/>
+          </a:prstGeom>
+        </p:spPr>
+        <p:style>
+          <a:lnRef idx="2">
+            <a:schemeClr val="accent1">
+              <a:shade val="50000"/>
+            </a:schemeClr>
+          </a:lnRef>
+          <a:fillRef idx="1">
+            <a:schemeClr val="accent1"/>
+          </a:fillRef>
+          <a:effectRef idx="0">
+            <a:schemeClr val="accent1"/>
+          </a:effectRef>
+          <a:fontRef idx="minor">
+            <a:schemeClr val="lt1"/>
+          </a:fontRef>
+        </p:style>
+        <p:txBody>
+          <a:bodyPr rtlCol="0" anchor="ctr"/>
+          <a:lstStyle/>
+          <a:p>
+            <a:pPr algn="ctr"/>
+            <a:r>
+              <a:rPr lang="en-US" dirty="0"/>
+              <a:t>Return Parts</a:t>
+            </a:r>
+          </a:p>
+        </p:txBody>
+      </p:sp>
+      <p:sp>
+        <p:nvSpPr>
+          <p:cNvPr id="9" name="Arrow: Right 8">
+            <a:extLst>
+              <a:ext uri="{FF2B5EF4-FFF2-40B4-BE49-F238E27FC236}">
+                <a16:creationId xmlns:a16="http://schemas.microsoft.com/office/drawing/2014/main" id="{A0A3E9FC-835C-4436-BB29-F1F0B415611F}"/>
+              </a:ext>
+            </a:extLst>
+          </p:cNvPr>
+          <p:cNvSpPr/>
+          <p:nvPr/>
+        </p:nvSpPr>
+        <p:spPr>
+          <a:xfrm flipH="1">
+            <a:off x="4778732" y="4651514"/>
+            <a:ext cx="3718563" cy="882595"/>
+          </a:xfrm>
+          <a:prstGeom prst="rightArrow">
+            <a:avLst/>
+          </a:prstGeom>
+        </p:spPr>
+        <p:style>
+          <a:lnRef idx="2">
+            <a:schemeClr val="accent1">
+              <a:shade val="50000"/>
+            </a:schemeClr>
+          </a:lnRef>
+          <a:fillRef idx="1">
+            <a:schemeClr val="accent1"/>
+          </a:fillRef>
+          <a:effectRef idx="0">
+            <a:schemeClr val="accent1"/>
+          </a:effectRef>
+          <a:fontRef idx="minor">
+            <a:schemeClr val="lt1"/>
+          </a:fontRef>
+        </p:style>
+        <p:txBody>
+          <a:bodyPr rtlCol="0" anchor="ctr"/>
+          <a:lstStyle/>
+          <a:p>
+            <a:pPr algn="ctr"/>
+            <a:r>
+              <a:rPr lang="en-US" dirty="0"/>
+              <a:t>Get available Parts?</a:t>
+            </a:r>
+          </a:p>
+        </p:txBody>
+      </p:sp>
+    </p:spTree>
+    <p:extLst>
+      <p:ext uri="{BB962C8B-B14F-4D97-AF65-F5344CB8AC3E}">
+        <p14:creationId xmlns:p14="http://schemas.microsoft.com/office/powerpoint/2010/main" val="1454493071"/>
       </p:ext>
     </p:extLst>
   </p:cSld>

--- a/docs/Diagrams.pptx
+++ b/docs/Diagrams.pptx
@@ -6,8 +6,6 @@
   </p:sldMasterIdLst>
   <p:sldIdLst>
     <p:sldId id="256" r:id="rId2"/>
-    <p:sldId id="257" r:id="rId3"/>
-    <p:sldId id="258" r:id="rId4"/>
   </p:sldIdLst>
   <p:sldSz cx="12192000" cy="6858000"/>
   <p:notesSz cx="6858000" cy="9144000"/>
@@ -261,7 +259,7 @@
           <a:p>
             <a:fld id="{E84694D5-1932-4D7D-9DDF-AE1A6F08C750}" type="datetimeFigureOut">
               <a:rPr lang="en-US" smtClean="0"/>
-              <a:t>7/12/2021</a:t>
+              <a:t>7/13/2021</a:t>
             </a:fld>
             <a:endParaRPr lang="en-US"/>
           </a:p>
@@ -459,7 +457,7 @@
           <a:p>
             <a:fld id="{E84694D5-1932-4D7D-9DDF-AE1A6F08C750}" type="datetimeFigureOut">
               <a:rPr lang="en-US" smtClean="0"/>
-              <a:t>7/12/2021</a:t>
+              <a:t>7/13/2021</a:t>
             </a:fld>
             <a:endParaRPr lang="en-US"/>
           </a:p>
@@ -667,7 +665,7 @@
           <a:p>
             <a:fld id="{E84694D5-1932-4D7D-9DDF-AE1A6F08C750}" type="datetimeFigureOut">
               <a:rPr lang="en-US" smtClean="0"/>
-              <a:t>7/12/2021</a:t>
+              <a:t>7/13/2021</a:t>
             </a:fld>
             <a:endParaRPr lang="en-US"/>
           </a:p>
@@ -865,7 +863,7 @@
           <a:p>
             <a:fld id="{E84694D5-1932-4D7D-9DDF-AE1A6F08C750}" type="datetimeFigureOut">
               <a:rPr lang="en-US" smtClean="0"/>
-              <a:t>7/12/2021</a:t>
+              <a:t>7/13/2021</a:t>
             </a:fld>
             <a:endParaRPr lang="en-US"/>
           </a:p>
@@ -1140,7 +1138,7 @@
           <a:p>
             <a:fld id="{E84694D5-1932-4D7D-9DDF-AE1A6F08C750}" type="datetimeFigureOut">
               <a:rPr lang="en-US" smtClean="0"/>
-              <a:t>7/12/2021</a:t>
+              <a:t>7/13/2021</a:t>
             </a:fld>
             <a:endParaRPr lang="en-US"/>
           </a:p>
@@ -1405,7 +1403,7 @@
           <a:p>
             <a:fld id="{E84694D5-1932-4D7D-9DDF-AE1A6F08C750}" type="datetimeFigureOut">
               <a:rPr lang="en-US" smtClean="0"/>
-              <a:t>7/12/2021</a:t>
+              <a:t>7/13/2021</a:t>
             </a:fld>
             <a:endParaRPr lang="en-US"/>
           </a:p>
@@ -1817,7 +1815,7 @@
           <a:p>
             <a:fld id="{E84694D5-1932-4D7D-9DDF-AE1A6F08C750}" type="datetimeFigureOut">
               <a:rPr lang="en-US" smtClean="0"/>
-              <a:t>7/12/2021</a:t>
+              <a:t>7/13/2021</a:t>
             </a:fld>
             <a:endParaRPr lang="en-US"/>
           </a:p>
@@ -1958,7 +1956,7 @@
           <a:p>
             <a:fld id="{E84694D5-1932-4D7D-9DDF-AE1A6F08C750}" type="datetimeFigureOut">
               <a:rPr lang="en-US" smtClean="0"/>
-              <a:t>7/12/2021</a:t>
+              <a:t>7/13/2021</a:t>
             </a:fld>
             <a:endParaRPr lang="en-US"/>
           </a:p>
@@ -2071,7 +2069,7 @@
           <a:p>
             <a:fld id="{E84694D5-1932-4D7D-9DDF-AE1A6F08C750}" type="datetimeFigureOut">
               <a:rPr lang="en-US" smtClean="0"/>
-              <a:t>7/12/2021</a:t>
+              <a:t>7/13/2021</a:t>
             </a:fld>
             <a:endParaRPr lang="en-US"/>
           </a:p>
@@ -2382,7 +2380,7 @@
           <a:p>
             <a:fld id="{E84694D5-1932-4D7D-9DDF-AE1A6F08C750}" type="datetimeFigureOut">
               <a:rPr lang="en-US" smtClean="0"/>
-              <a:t>7/12/2021</a:t>
+              <a:t>7/13/2021</a:t>
             </a:fld>
             <a:endParaRPr lang="en-US"/>
           </a:p>
@@ -2670,7 +2668,7 @@
           <a:p>
             <a:fld id="{E84694D5-1932-4D7D-9DDF-AE1A6F08C750}" type="datetimeFigureOut">
               <a:rPr lang="en-US" smtClean="0"/>
-              <a:t>7/12/2021</a:t>
+              <a:t>7/13/2021</a:t>
             </a:fld>
             <a:endParaRPr lang="en-US"/>
           </a:p>
@@ -2911,7 +2909,7 @@
           <a:p>
             <a:fld id="{E84694D5-1932-4D7D-9DDF-AE1A6F08C750}" type="datetimeFigureOut">
               <a:rPr lang="en-US" smtClean="0"/>
-              <a:t>7/12/2021</a:t>
+              <a:t>7/13/2021</a:t>
             </a:fld>
             <a:endParaRPr lang="en-US"/>
           </a:p>
@@ -4473,459 +4471,6 @@
 </p:sld>
 </file>
 
-<file path=ppt/slides/slide2.xml><?xml version="1.0" encoding="utf-8"?>
-<p:sld xmlns:a="http://schemas.openxmlformats.org/drawingml/2006/main" xmlns:r="http://schemas.openxmlformats.org/officeDocument/2006/relationships" xmlns:p="http://schemas.openxmlformats.org/presentationml/2006/main">
-  <p:cSld>
-    <p:spTree>
-      <p:nvGrpSpPr>
-        <p:cNvPr id="1" name=""/>
-        <p:cNvGrpSpPr/>
-        <p:nvPr/>
-      </p:nvGrpSpPr>
-      <p:grpSpPr>
-        <a:xfrm>
-          <a:off x="0" y="0"/>
-          <a:ext cx="0" cy="0"/>
-          <a:chOff x="0" y="0"/>
-          <a:chExt cx="0" cy="0"/>
-        </a:xfrm>
-      </p:grpSpPr>
-      <p:sp>
-        <p:nvSpPr>
-          <p:cNvPr id="7" name="Rectangle 6">
-            <a:extLst>
-              <a:ext uri="{FF2B5EF4-FFF2-40B4-BE49-F238E27FC236}">
-                <a16:creationId xmlns:a16="http://schemas.microsoft.com/office/drawing/2014/main" id="{D7E1A5C8-06CC-436A-B809-05E33E05BBC8}"/>
-              </a:ext>
-            </a:extLst>
-          </p:cNvPr>
-          <p:cNvSpPr/>
-          <p:nvPr/>
-        </p:nvSpPr>
-        <p:spPr>
-          <a:xfrm>
-            <a:off x="2072639" y="1269598"/>
-            <a:ext cx="2385391" cy="4691270"/>
-          </a:xfrm>
-          <a:prstGeom prst="rect">
-            <a:avLst/>
-          </a:prstGeom>
-        </p:spPr>
-        <p:style>
-          <a:lnRef idx="2">
-            <a:schemeClr val="accent1">
-              <a:shade val="50000"/>
-            </a:schemeClr>
-          </a:lnRef>
-          <a:fillRef idx="1">
-            <a:schemeClr val="accent1"/>
-          </a:fillRef>
-          <a:effectRef idx="0">
-            <a:schemeClr val="accent1"/>
-          </a:effectRef>
-          <a:fontRef idx="minor">
-            <a:schemeClr val="lt1"/>
-          </a:fontRef>
-        </p:style>
-        <p:txBody>
-          <a:bodyPr rtlCol="0" anchor="ctr"/>
-          <a:lstStyle/>
-          <a:p>
-            <a:pPr algn="ctr"/>
-            <a:r>
-              <a:rPr lang="en-US" dirty="0" err="1"/>
-              <a:t>ComputerFulfillment</a:t>
-            </a:r>
-            <a:endParaRPr lang="en-US" dirty="0"/>
-          </a:p>
-        </p:txBody>
-      </p:sp>
-      <p:sp>
-        <p:nvSpPr>
-          <p:cNvPr id="2" name="Arrow: Right 1">
-            <a:extLst>
-              <a:ext uri="{FF2B5EF4-FFF2-40B4-BE49-F238E27FC236}">
-                <a16:creationId xmlns:a16="http://schemas.microsoft.com/office/drawing/2014/main" id="{46FEEEEE-2EA5-4B79-9BEE-2B1F7E98B46E}"/>
-              </a:ext>
-            </a:extLst>
-          </p:cNvPr>
-          <p:cNvSpPr/>
-          <p:nvPr/>
-        </p:nvSpPr>
-        <p:spPr>
-          <a:xfrm flipH="1">
-            <a:off x="4728377" y="1502796"/>
-            <a:ext cx="4023360" cy="882595"/>
-          </a:xfrm>
-          <a:prstGeom prst="rightArrow">
-            <a:avLst/>
-          </a:prstGeom>
-        </p:spPr>
-        <p:style>
-          <a:lnRef idx="2">
-            <a:schemeClr val="accent1">
-              <a:shade val="50000"/>
-            </a:schemeClr>
-          </a:lnRef>
-          <a:fillRef idx="1">
-            <a:schemeClr val="accent1"/>
-          </a:fillRef>
-          <a:effectRef idx="0">
-            <a:schemeClr val="accent1"/>
-          </a:effectRef>
-          <a:fontRef idx="minor">
-            <a:schemeClr val="lt1"/>
-          </a:fontRef>
-        </p:style>
-        <p:txBody>
-          <a:bodyPr rtlCol="0" anchor="ctr"/>
-          <a:lstStyle/>
-          <a:p>
-            <a:pPr algn="ctr"/>
-            <a:r>
-              <a:rPr lang="en-US" dirty="0"/>
-              <a:t>Build Computer Batch</a:t>
-            </a:r>
-          </a:p>
-        </p:txBody>
-      </p:sp>
-      <p:sp>
-        <p:nvSpPr>
-          <p:cNvPr id="25" name="Arrow: Right 24">
-            <a:extLst>
-              <a:ext uri="{FF2B5EF4-FFF2-40B4-BE49-F238E27FC236}">
-                <a16:creationId xmlns:a16="http://schemas.microsoft.com/office/drawing/2014/main" id="{7B6E3D06-0F10-431C-B99B-F0A405F65709}"/>
-              </a:ext>
-            </a:extLst>
-          </p:cNvPr>
-          <p:cNvSpPr/>
-          <p:nvPr/>
-        </p:nvSpPr>
-        <p:spPr>
-          <a:xfrm>
-            <a:off x="4943062" y="2907569"/>
-            <a:ext cx="4023359" cy="882595"/>
-          </a:xfrm>
-          <a:prstGeom prst="rightArrow">
-            <a:avLst/>
-          </a:prstGeom>
-        </p:spPr>
-        <p:style>
-          <a:lnRef idx="2">
-            <a:schemeClr val="accent1">
-              <a:shade val="50000"/>
-            </a:schemeClr>
-          </a:lnRef>
-          <a:fillRef idx="1">
-            <a:schemeClr val="accent1"/>
-          </a:fillRef>
-          <a:effectRef idx="0">
-            <a:schemeClr val="accent1"/>
-          </a:effectRef>
-          <a:fontRef idx="minor">
-            <a:schemeClr val="lt1"/>
-          </a:fontRef>
-        </p:style>
-        <p:txBody>
-          <a:bodyPr rtlCol="0" anchor="ctr"/>
-          <a:lstStyle/>
-          <a:p>
-            <a:pPr algn="ctr"/>
-            <a:r>
-              <a:rPr lang="en-US" dirty="0"/>
-              <a:t>Computer Diagnostics Results</a:t>
-            </a:r>
-          </a:p>
-        </p:txBody>
-      </p:sp>
-    </p:spTree>
-    <p:extLst>
-      <p:ext uri="{BB962C8B-B14F-4D97-AF65-F5344CB8AC3E}">
-        <p14:creationId xmlns:p14="http://schemas.microsoft.com/office/powerpoint/2010/main" val="2432409202"/>
-      </p:ext>
-    </p:extLst>
-  </p:cSld>
-  <p:clrMapOvr>
-    <a:masterClrMapping/>
-  </p:clrMapOvr>
-</p:sld>
-</file>
-
-<file path=ppt/slides/slide3.xml><?xml version="1.0" encoding="utf-8"?>
-<p:sld xmlns:a="http://schemas.openxmlformats.org/drawingml/2006/main" xmlns:r="http://schemas.openxmlformats.org/officeDocument/2006/relationships" xmlns:p="http://schemas.openxmlformats.org/presentationml/2006/main">
-  <p:cSld>
-    <p:spTree>
-      <p:nvGrpSpPr>
-        <p:cNvPr id="1" name=""/>
-        <p:cNvGrpSpPr/>
-        <p:nvPr/>
-      </p:nvGrpSpPr>
-      <p:grpSpPr>
-        <a:xfrm>
-          <a:off x="0" y="0"/>
-          <a:ext cx="0" cy="0"/>
-          <a:chOff x="0" y="0"/>
-          <a:chExt cx="0" cy="0"/>
-        </a:xfrm>
-      </p:grpSpPr>
-      <p:sp>
-        <p:nvSpPr>
-          <p:cNvPr id="7" name="Rectangle 6">
-            <a:extLst>
-              <a:ext uri="{FF2B5EF4-FFF2-40B4-BE49-F238E27FC236}">
-                <a16:creationId xmlns:a16="http://schemas.microsoft.com/office/drawing/2014/main" id="{D7E1A5C8-06CC-436A-B809-05E33E05BBC8}"/>
-              </a:ext>
-            </a:extLst>
-          </p:cNvPr>
-          <p:cNvSpPr/>
-          <p:nvPr/>
-        </p:nvSpPr>
-        <p:spPr>
-          <a:xfrm>
-            <a:off x="2072639" y="1269598"/>
-            <a:ext cx="2385391" cy="4691270"/>
-          </a:xfrm>
-          <a:prstGeom prst="rect">
-            <a:avLst/>
-          </a:prstGeom>
-        </p:spPr>
-        <p:style>
-          <a:lnRef idx="2">
-            <a:schemeClr val="accent1">
-              <a:shade val="50000"/>
-            </a:schemeClr>
-          </a:lnRef>
-          <a:fillRef idx="1">
-            <a:schemeClr val="accent1"/>
-          </a:fillRef>
-          <a:effectRef idx="0">
-            <a:schemeClr val="accent1"/>
-          </a:effectRef>
-          <a:fontRef idx="minor">
-            <a:schemeClr val="lt1"/>
-          </a:fontRef>
-        </p:style>
-        <p:txBody>
-          <a:bodyPr rtlCol="0" anchor="ctr"/>
-          <a:lstStyle/>
-          <a:p>
-            <a:pPr algn="ctr"/>
-            <a:r>
-              <a:rPr lang="en-US" dirty="0"/>
-              <a:t>Vendor Engagement</a:t>
-            </a:r>
-          </a:p>
-        </p:txBody>
-      </p:sp>
-      <p:sp>
-        <p:nvSpPr>
-          <p:cNvPr id="26" name="Arrow: Right 25">
-            <a:extLst>
-              <a:ext uri="{FF2B5EF4-FFF2-40B4-BE49-F238E27FC236}">
-                <a16:creationId xmlns:a16="http://schemas.microsoft.com/office/drawing/2014/main" id="{488C54AE-30C1-4AA8-95DE-D39A59B9B6E2}"/>
-              </a:ext>
-            </a:extLst>
-          </p:cNvPr>
-          <p:cNvSpPr/>
-          <p:nvPr/>
-        </p:nvSpPr>
-        <p:spPr>
-          <a:xfrm flipH="1">
-            <a:off x="4778734" y="2546405"/>
-            <a:ext cx="3718563" cy="882595"/>
-          </a:xfrm>
-          <a:prstGeom prst="rightArrow">
-            <a:avLst/>
-          </a:prstGeom>
-        </p:spPr>
-        <p:style>
-          <a:lnRef idx="2">
-            <a:schemeClr val="accent1">
-              <a:shade val="50000"/>
-            </a:schemeClr>
-          </a:lnRef>
-          <a:fillRef idx="1">
-            <a:schemeClr val="accent1"/>
-          </a:fillRef>
-          <a:effectRef idx="0">
-            <a:schemeClr val="accent1"/>
-          </a:effectRef>
-          <a:fontRef idx="minor">
-            <a:schemeClr val="lt1"/>
-          </a:fontRef>
-        </p:style>
-        <p:txBody>
-          <a:bodyPr rtlCol="0" anchor="ctr"/>
-          <a:lstStyle/>
-          <a:p>
-            <a:pPr algn="ctr"/>
-            <a:r>
-              <a:rPr lang="en-US" dirty="0"/>
-              <a:t>Order Parts</a:t>
-            </a:r>
-          </a:p>
-        </p:txBody>
-      </p:sp>
-      <p:sp>
-        <p:nvSpPr>
-          <p:cNvPr id="27" name="Arrow: Right 26">
-            <a:extLst>
-              <a:ext uri="{FF2B5EF4-FFF2-40B4-BE49-F238E27FC236}">
-                <a16:creationId xmlns:a16="http://schemas.microsoft.com/office/drawing/2014/main" id="{E49E330E-868B-40D5-BCF0-3F03AD37E701}"/>
-              </a:ext>
-            </a:extLst>
-          </p:cNvPr>
-          <p:cNvSpPr/>
-          <p:nvPr/>
-        </p:nvSpPr>
-        <p:spPr>
-          <a:xfrm>
-            <a:off x="4778734" y="1269598"/>
-            <a:ext cx="4203591" cy="882595"/>
-          </a:xfrm>
-          <a:prstGeom prst="rightArrow">
-            <a:avLst/>
-          </a:prstGeom>
-        </p:spPr>
-        <p:style>
-          <a:lnRef idx="2">
-            <a:schemeClr val="accent1">
-              <a:shade val="50000"/>
-            </a:schemeClr>
-          </a:lnRef>
-          <a:fillRef idx="1">
-            <a:schemeClr val="accent1"/>
-          </a:fillRef>
-          <a:effectRef idx="0">
-            <a:schemeClr val="accent1"/>
-          </a:effectRef>
-          <a:fontRef idx="minor">
-            <a:schemeClr val="lt1"/>
-          </a:fontRef>
-        </p:style>
-        <p:txBody>
-          <a:bodyPr rtlCol="0" anchor="ctr"/>
-          <a:lstStyle/>
-          <a:p>
-            <a:pPr algn="ctr"/>
-            <a:r>
-              <a:rPr lang="en-US" dirty="0"/>
-              <a:t>Part List</a:t>
-            </a:r>
-          </a:p>
-        </p:txBody>
-      </p:sp>
-      <p:sp>
-        <p:nvSpPr>
-          <p:cNvPr id="8" name="Arrow: Right 7">
-            <a:extLst>
-              <a:ext uri="{FF2B5EF4-FFF2-40B4-BE49-F238E27FC236}">
-                <a16:creationId xmlns:a16="http://schemas.microsoft.com/office/drawing/2014/main" id="{765C44D1-7A12-4CE8-8157-58AD0E1FBEAA}"/>
-              </a:ext>
-            </a:extLst>
-          </p:cNvPr>
-          <p:cNvSpPr/>
-          <p:nvPr/>
-        </p:nvSpPr>
-        <p:spPr>
-          <a:xfrm flipH="1">
-            <a:off x="4778733" y="3615233"/>
-            <a:ext cx="3718563" cy="882595"/>
-          </a:xfrm>
-          <a:prstGeom prst="rightArrow">
-            <a:avLst/>
-          </a:prstGeom>
-        </p:spPr>
-        <p:style>
-          <a:lnRef idx="2">
-            <a:schemeClr val="accent1">
-              <a:shade val="50000"/>
-            </a:schemeClr>
-          </a:lnRef>
-          <a:fillRef idx="1">
-            <a:schemeClr val="accent1"/>
-          </a:fillRef>
-          <a:effectRef idx="0">
-            <a:schemeClr val="accent1"/>
-          </a:effectRef>
-          <a:fontRef idx="minor">
-            <a:schemeClr val="lt1"/>
-          </a:fontRef>
-        </p:style>
-        <p:txBody>
-          <a:bodyPr rtlCol="0" anchor="ctr"/>
-          <a:lstStyle/>
-          <a:p>
-            <a:pPr algn="ctr"/>
-            <a:r>
-              <a:rPr lang="en-US" dirty="0"/>
-              <a:t>Return Parts</a:t>
-            </a:r>
-          </a:p>
-        </p:txBody>
-      </p:sp>
-      <p:sp>
-        <p:nvSpPr>
-          <p:cNvPr id="9" name="Arrow: Right 8">
-            <a:extLst>
-              <a:ext uri="{FF2B5EF4-FFF2-40B4-BE49-F238E27FC236}">
-                <a16:creationId xmlns:a16="http://schemas.microsoft.com/office/drawing/2014/main" id="{A0A3E9FC-835C-4436-BB29-F1F0B415611F}"/>
-              </a:ext>
-            </a:extLst>
-          </p:cNvPr>
-          <p:cNvSpPr/>
-          <p:nvPr/>
-        </p:nvSpPr>
-        <p:spPr>
-          <a:xfrm flipH="1">
-            <a:off x="4778732" y="4651514"/>
-            <a:ext cx="3718563" cy="882595"/>
-          </a:xfrm>
-          <a:prstGeom prst="rightArrow">
-            <a:avLst/>
-          </a:prstGeom>
-        </p:spPr>
-        <p:style>
-          <a:lnRef idx="2">
-            <a:schemeClr val="accent1">
-              <a:shade val="50000"/>
-            </a:schemeClr>
-          </a:lnRef>
-          <a:fillRef idx="1">
-            <a:schemeClr val="accent1"/>
-          </a:fillRef>
-          <a:effectRef idx="0">
-            <a:schemeClr val="accent1"/>
-          </a:effectRef>
-          <a:fontRef idx="minor">
-            <a:schemeClr val="lt1"/>
-          </a:fontRef>
-        </p:style>
-        <p:txBody>
-          <a:bodyPr rtlCol="0" anchor="ctr"/>
-          <a:lstStyle/>
-          <a:p>
-            <a:pPr algn="ctr"/>
-            <a:r>
-              <a:rPr lang="en-US" dirty="0"/>
-              <a:t>Get available Parts?</a:t>
-            </a:r>
-          </a:p>
-        </p:txBody>
-      </p:sp>
-    </p:spTree>
-    <p:extLst>
-      <p:ext uri="{BB962C8B-B14F-4D97-AF65-F5344CB8AC3E}">
-        <p14:creationId xmlns:p14="http://schemas.microsoft.com/office/powerpoint/2010/main" val="1454493071"/>
-      </p:ext>
-    </p:extLst>
-  </p:cSld>
-  <p:clrMapOvr>
-    <a:masterClrMapping/>
-  </p:clrMapOvr>
-</p:sld>
-</file>
-
 <file path=ppt/theme/theme1.xml><?xml version="1.0" encoding="utf-8"?>
 <a:theme xmlns:a="http://schemas.openxmlformats.org/drawingml/2006/main" name="Office Theme">
   <a:themeElements>
